--- a/powerPoint/Case Study.pptx
+++ b/powerPoint/Case Study.pptx
@@ -5,18 +5,19 @@
     <p:sldMasterId id="2147483648" r:id="rId1"/>
   </p:sldMasterIdLst>
   <p:notesMasterIdLst>
-    <p:notesMasterId r:id="rId11"/>
+    <p:notesMasterId r:id="rId12"/>
   </p:notesMasterIdLst>
   <p:sldIdLst>
     <p:sldId id="256" r:id="rId2"/>
     <p:sldId id="257" r:id="rId3"/>
     <p:sldId id="264" r:id="rId4"/>
     <p:sldId id="258" r:id="rId5"/>
-    <p:sldId id="259" r:id="rId6"/>
-    <p:sldId id="260" r:id="rId7"/>
-    <p:sldId id="262" r:id="rId8"/>
-    <p:sldId id="261" r:id="rId9"/>
-    <p:sldId id="266" r:id="rId10"/>
+    <p:sldId id="267" r:id="rId6"/>
+    <p:sldId id="259" r:id="rId7"/>
+    <p:sldId id="260" r:id="rId8"/>
+    <p:sldId id="262" r:id="rId9"/>
+    <p:sldId id="261" r:id="rId10"/>
+    <p:sldId id="266" r:id="rId11"/>
   </p:sldIdLst>
   <p:sldSz cx="12192000" cy="6858000"/>
   <p:notesSz cx="6858000" cy="9144000"/>
@@ -7106,7 +7107,7 @@
           <a:p>
             <a:fld id="{B5E044F7-A9B9-4A86-96E8-E68BEC91B70D}" type="slidenum">
               <a:rPr lang="en-US" smtClean="0"/>
-              <a:t>6</a:t>
+              <a:t>7</a:t>
             </a:fld>
             <a:endParaRPr lang="en-US"/>
           </a:p>
@@ -7207,7 +7208,7 @@
           <a:p>
             <a:fld id="{B5E044F7-A9B9-4A86-96E8-E68BEC91B70D}" type="slidenum">
               <a:rPr lang="en-US" smtClean="0"/>
-              <a:t>7</a:t>
+              <a:t>8</a:t>
             </a:fld>
             <a:endParaRPr lang="en-US"/>
           </a:p>
@@ -7308,7 +7309,7 @@
           <a:p>
             <a:fld id="{B5E044F7-A9B9-4A86-96E8-E68BEC91B70D}" type="slidenum">
               <a:rPr lang="en-US" smtClean="0"/>
-              <a:t>8</a:t>
+              <a:t>9</a:t>
             </a:fld>
             <a:endParaRPr lang="en-US"/>
           </a:p>
@@ -10590,7 +10591,7 @@
           <a:bodyPr/>
           <a:lstStyle/>
           <a:p>
-            <a:endParaRPr lang="en-US"/>
+            <a:endParaRPr lang="en-US" dirty="0"/>
           </a:p>
         </p:txBody>
       </p:sp>
@@ -10598,6 +10599,110 @@
     <p:extLst>
       <p:ext uri="{BB962C8B-B14F-4D97-AF65-F5344CB8AC3E}">
         <p14:creationId xmlns:p14="http://schemas.microsoft.com/office/powerpoint/2010/main" val="2444747821"/>
+      </p:ext>
+    </p:extLst>
+  </p:cSld>
+  <p:clrMapOvr>
+    <a:masterClrMapping/>
+  </p:clrMapOvr>
+</p:sld>
+</file>
+
+<file path=ppt/slides/slide10.xml><?xml version="1.0" encoding="utf-8"?>
+<p:sld xmlns:a="http://schemas.openxmlformats.org/drawingml/2006/main" xmlns:r="http://schemas.openxmlformats.org/officeDocument/2006/relationships" xmlns:p="http://schemas.openxmlformats.org/presentationml/2006/main">
+  <p:cSld>
+    <p:spTree>
+      <p:nvGrpSpPr>
+        <p:cNvPr id="1" name=""/>
+        <p:cNvGrpSpPr/>
+        <p:nvPr/>
+      </p:nvGrpSpPr>
+      <p:grpSpPr>
+        <a:xfrm>
+          <a:off x="0" y="0"/>
+          <a:ext cx="0" cy="0"/>
+          <a:chOff x="0" y="0"/>
+          <a:chExt cx="0" cy="0"/>
+        </a:xfrm>
+      </p:grpSpPr>
+      <p:sp>
+        <p:nvSpPr>
+          <p:cNvPr id="2" name="Title 1">
+            <a:extLst>
+              <a:ext uri="{FF2B5EF4-FFF2-40B4-BE49-F238E27FC236}">
+                <a16:creationId xmlns:a16="http://schemas.microsoft.com/office/drawing/2014/main" id="{8C7E346F-30D6-8148-75E0-7A8EEEBA643E}"/>
+              </a:ext>
+            </a:extLst>
+          </p:cNvPr>
+          <p:cNvSpPr>
+            <a:spLocks noGrp="1"/>
+          </p:cNvSpPr>
+          <p:nvPr>
+            <p:ph type="title"/>
+          </p:nvPr>
+        </p:nvSpPr>
+        <p:spPr/>
+        <p:txBody>
+          <a:bodyPr/>
+          <a:lstStyle/>
+          <a:p>
+            <a:r>
+              <a:rPr lang="en-US" dirty="0"/>
+              <a:t>Recommendation</a:t>
+            </a:r>
+          </a:p>
+        </p:txBody>
+      </p:sp>
+      <p:sp>
+        <p:nvSpPr>
+          <p:cNvPr id="3" name="Content Placeholder 2">
+            <a:extLst>
+              <a:ext uri="{FF2B5EF4-FFF2-40B4-BE49-F238E27FC236}">
+                <a16:creationId xmlns:a16="http://schemas.microsoft.com/office/drawing/2014/main" id="{5986AA67-EE18-2338-7A9B-B931CA57900E}"/>
+              </a:ext>
+            </a:extLst>
+          </p:cNvPr>
+          <p:cNvSpPr>
+            <a:spLocks noGrp="1"/>
+          </p:cNvSpPr>
+          <p:nvPr>
+            <p:ph idx="1"/>
+          </p:nvPr>
+        </p:nvSpPr>
+        <p:spPr/>
+        <p:txBody>
+          <a:bodyPr/>
+          <a:lstStyle/>
+          <a:p>
+            <a:r>
+              <a:rPr lang="en-US" dirty="0"/>
+              <a:t>Top Brand – velocity is greater for Joplin, sales are greater in Columbia</a:t>
+            </a:r>
+          </a:p>
+          <a:p>
+            <a:r>
+              <a:rPr lang="en-US" dirty="0"/>
+              <a:t>Two small cities – very little product</a:t>
+            </a:r>
+          </a:p>
+          <a:p>
+            <a:r>
+              <a:rPr lang="en-US" dirty="0"/>
+              <a:t>Best substitution is Pampers and Huggies for the top cities</a:t>
+            </a:r>
+          </a:p>
+          <a:p>
+            <a:r>
+              <a:rPr lang="en-US" dirty="0"/>
+              <a:t>Next price elasticity to see best assortment</a:t>
+            </a:r>
+          </a:p>
+        </p:txBody>
+      </p:sp>
+    </p:spTree>
+    <p:extLst>
+      <p:ext uri="{BB962C8B-B14F-4D97-AF65-F5344CB8AC3E}">
+        <p14:creationId xmlns:p14="http://schemas.microsoft.com/office/powerpoint/2010/main" val="1289769958"/>
       </p:ext>
     </p:extLst>
   </p:cSld>
@@ -10973,6 +11078,364 @@
           <p:cNvPr id="2" name="Title 1">
             <a:extLst>
               <a:ext uri="{FF2B5EF4-FFF2-40B4-BE49-F238E27FC236}">
+                <a16:creationId xmlns:a16="http://schemas.microsoft.com/office/drawing/2014/main" id="{E8742D6C-B3F1-CB2E-CDBF-2C9337169C5F}"/>
+              </a:ext>
+            </a:extLst>
+          </p:cNvPr>
+          <p:cNvSpPr>
+            <a:spLocks noGrp="1"/>
+          </p:cNvSpPr>
+          <p:nvPr>
+            <p:ph type="title"/>
+          </p:nvPr>
+        </p:nvSpPr>
+        <p:spPr/>
+        <p:txBody>
+          <a:bodyPr/>
+          <a:lstStyle/>
+          <a:p>
+            <a:r>
+              <a:rPr lang="en-US" dirty="0"/>
+              <a:t>SKU Count per City</a:t>
+            </a:r>
+          </a:p>
+        </p:txBody>
+      </p:sp>
+      <p:graphicFrame>
+        <p:nvGraphicFramePr>
+          <p:cNvPr id="5" name="Table 11">
+            <a:extLst>
+              <a:ext uri="{FF2B5EF4-FFF2-40B4-BE49-F238E27FC236}">
+                <a16:creationId xmlns:a16="http://schemas.microsoft.com/office/drawing/2014/main" id="{E8105402-1670-AAE0-6E6A-55E661C3D7F8}"/>
+              </a:ext>
+            </a:extLst>
+          </p:cNvPr>
+          <p:cNvGraphicFramePr>
+            <a:graphicFrameLocks noGrp="1"/>
+          </p:cNvGraphicFramePr>
+          <p:nvPr>
+            <p:extLst>
+              <p:ext uri="{D42A27DB-BD31-4B8C-83A1-F6EECF244321}">
+                <p14:modId xmlns:p14="http://schemas.microsoft.com/office/powerpoint/2010/main" val="3073389656"/>
+              </p:ext>
+            </p:extLst>
+          </p:nvPr>
+        </p:nvGraphicFramePr>
+        <p:xfrm>
+          <a:off x="3619500" y="2019300"/>
+          <a:ext cx="5448300" cy="2594821"/>
+        </p:xfrm>
+        <a:graphic>
+          <a:graphicData uri="http://schemas.openxmlformats.org/drawingml/2006/table">
+            <a:tbl>
+              <a:tblPr firstRow="1" bandRow="1">
+                <a:tableStyleId>{5C22544A-7EE6-4342-B048-85BDC9FD1C3A}</a:tableStyleId>
+              </a:tblPr>
+              <a:tblGrid>
+                <a:gridCol w="2724150">
+                  <a:extLst>
+                    <a:ext uri="{9D8B030D-6E8A-4147-A177-3AD203B41FA5}">
+                      <a16:colId xmlns:a16="http://schemas.microsoft.com/office/drawing/2014/main" val="781014258"/>
+                    </a:ext>
+                  </a:extLst>
+                </a:gridCol>
+                <a:gridCol w="2724150">
+                  <a:extLst>
+                    <a:ext uri="{9D8B030D-6E8A-4147-A177-3AD203B41FA5}">
+                      <a16:colId xmlns:a16="http://schemas.microsoft.com/office/drawing/2014/main" val="2249758891"/>
+                    </a:ext>
+                  </a:extLst>
+                </a:gridCol>
+              </a:tblGrid>
+              <a:tr h="665881">
+                <a:tc>
+                  <a:txBody>
+                    <a:bodyPr/>
+                    <a:lstStyle/>
+                    <a:p>
+                      <a:pPr marL="0" marR="0" lvl="0" indent="0" algn="l" defTabSz="914400" rtl="0" eaLnBrk="1" fontAlgn="auto" latinLnBrk="0" hangingPunct="1">
+                        <a:lnSpc>
+                          <a:spcPct val="100000"/>
+                        </a:lnSpc>
+                        <a:spcBef>
+                          <a:spcPts val="0"/>
+                        </a:spcBef>
+                        <a:spcAft>
+                          <a:spcPts val="0"/>
+                        </a:spcAft>
+                        <a:buClrTx/>
+                        <a:buSzTx/>
+                        <a:buFontTx/>
+                        <a:buNone/>
+                        <a:tabLst/>
+                        <a:defRPr/>
+                      </a:pPr>
+                      <a:r>
+                        <a:rPr lang="en-US" b="1" dirty="0">
+                          <a:effectLst/>
+                        </a:rPr>
+                        <a:t>CITY</a:t>
+                      </a:r>
+                    </a:p>
+                    <a:p>
+                      <a:endParaRPr lang="en-US" dirty="0"/>
+                    </a:p>
+                  </a:txBody>
+                  <a:tcPr/>
+                </a:tc>
+                <a:tc>
+                  <a:txBody>
+                    <a:bodyPr/>
+                    <a:lstStyle/>
+                    <a:p>
+                      <a:r>
+                        <a:rPr lang="en-US" dirty="0"/>
+                        <a:t>SKU COUNT</a:t>
+                      </a:r>
+                    </a:p>
+                  </a:txBody>
+                  <a:tcPr/>
+                </a:tc>
+                <a:extLst>
+                  <a:ext uri="{0D108BD9-81ED-4DB2-BD59-A6C34878D82A}">
+                    <a16:rowId xmlns:a16="http://schemas.microsoft.com/office/drawing/2014/main" val="3672302262"/>
+                  </a:ext>
+                </a:extLst>
+              </a:tr>
+              <a:tr h="385788">
+                <a:tc>
+                  <a:txBody>
+                    <a:bodyPr/>
+                    <a:lstStyle/>
+                    <a:p>
+                      <a:pPr algn="r" fontAlgn="ctr"/>
+                      <a:r>
+                        <a:rPr lang="en-US" b="1" dirty="0">
+                          <a:effectLst/>
+                        </a:rPr>
+                        <a:t>BILLINGS</a:t>
+                      </a:r>
+                    </a:p>
+                  </a:txBody>
+                  <a:tcPr anchor="ctr"/>
+                </a:tc>
+                <a:tc>
+                  <a:txBody>
+                    <a:bodyPr/>
+                    <a:lstStyle/>
+                    <a:p>
+                      <a:pPr algn="r" fontAlgn="ctr"/>
+                      <a:r>
+                        <a:rPr lang="en-US">
+                          <a:effectLst/>
+                        </a:rPr>
+                        <a:t>4</a:t>
+                      </a:r>
+                    </a:p>
+                  </a:txBody>
+                  <a:tcPr anchor="ctr"/>
+                </a:tc>
+                <a:extLst>
+                  <a:ext uri="{0D108BD9-81ED-4DB2-BD59-A6C34878D82A}">
+                    <a16:rowId xmlns:a16="http://schemas.microsoft.com/office/drawing/2014/main" val="107924445"/>
+                  </a:ext>
+                </a:extLst>
+              </a:tr>
+              <a:tr h="385788">
+                <a:tc>
+                  <a:txBody>
+                    <a:bodyPr/>
+                    <a:lstStyle/>
+                    <a:p>
+                      <a:pPr algn="r" fontAlgn="ctr"/>
+                      <a:r>
+                        <a:rPr lang="en-US" b="1">
+                          <a:effectLst/>
+                        </a:rPr>
+                        <a:t>COLUMBIA</a:t>
+                      </a:r>
+                    </a:p>
+                  </a:txBody>
+                  <a:tcPr anchor="ctr"/>
+                </a:tc>
+                <a:tc>
+                  <a:txBody>
+                    <a:bodyPr/>
+                    <a:lstStyle/>
+                    <a:p>
+                      <a:pPr algn="r" fontAlgn="ctr"/>
+                      <a:r>
+                        <a:rPr lang="en-US">
+                          <a:effectLst/>
+                        </a:rPr>
+                        <a:t>521</a:t>
+                      </a:r>
+                    </a:p>
+                  </a:txBody>
+                  <a:tcPr anchor="ctr"/>
+                </a:tc>
+                <a:extLst>
+                  <a:ext uri="{0D108BD9-81ED-4DB2-BD59-A6C34878D82A}">
+                    <a16:rowId xmlns:a16="http://schemas.microsoft.com/office/drawing/2014/main" val="3415181902"/>
+                  </a:ext>
+                </a:extLst>
+              </a:tr>
+              <a:tr h="385788">
+                <a:tc>
+                  <a:txBody>
+                    <a:bodyPr/>
+                    <a:lstStyle/>
+                    <a:p>
+                      <a:pPr algn="r" fontAlgn="ctr"/>
+                      <a:r>
+                        <a:rPr lang="en-US" b="1">
+                          <a:effectLst/>
+                        </a:rPr>
+                        <a:t>CRANE</a:t>
+                      </a:r>
+                    </a:p>
+                  </a:txBody>
+                  <a:tcPr anchor="ctr"/>
+                </a:tc>
+                <a:tc>
+                  <a:txBody>
+                    <a:bodyPr/>
+                    <a:lstStyle/>
+                    <a:p>
+                      <a:pPr algn="r" fontAlgn="ctr"/>
+                      <a:r>
+                        <a:rPr lang="en-US">
+                          <a:effectLst/>
+                        </a:rPr>
+                        <a:t>5</a:t>
+                      </a:r>
+                    </a:p>
+                  </a:txBody>
+                  <a:tcPr anchor="ctr"/>
+                </a:tc>
+                <a:extLst>
+                  <a:ext uri="{0D108BD9-81ED-4DB2-BD59-A6C34878D82A}">
+                    <a16:rowId xmlns:a16="http://schemas.microsoft.com/office/drawing/2014/main" val="3664603341"/>
+                  </a:ext>
+                </a:extLst>
+              </a:tr>
+              <a:tr h="385788">
+                <a:tc>
+                  <a:txBody>
+                    <a:bodyPr/>
+                    <a:lstStyle/>
+                    <a:p>
+                      <a:pPr algn="r" fontAlgn="ctr"/>
+                      <a:r>
+                        <a:rPr lang="en-US" b="1">
+                          <a:effectLst/>
+                        </a:rPr>
+                        <a:t>JOPLIN</a:t>
+                      </a:r>
+                    </a:p>
+                  </a:txBody>
+                  <a:tcPr anchor="ctr"/>
+                </a:tc>
+                <a:tc>
+                  <a:txBody>
+                    <a:bodyPr/>
+                    <a:lstStyle/>
+                    <a:p>
+                      <a:pPr algn="r" fontAlgn="ctr"/>
+                      <a:r>
+                        <a:rPr lang="en-US" dirty="0">
+                          <a:effectLst/>
+                        </a:rPr>
+                        <a:t>519</a:t>
+                      </a:r>
+                    </a:p>
+                  </a:txBody>
+                  <a:tcPr anchor="ctr"/>
+                </a:tc>
+                <a:extLst>
+                  <a:ext uri="{0D108BD9-81ED-4DB2-BD59-A6C34878D82A}">
+                    <a16:rowId xmlns:a16="http://schemas.microsoft.com/office/drawing/2014/main" val="4278708169"/>
+                  </a:ext>
+                </a:extLst>
+              </a:tr>
+              <a:tr h="385788">
+                <a:tc>
+                  <a:txBody>
+                    <a:bodyPr/>
+                    <a:lstStyle/>
+                    <a:p>
+                      <a:pPr algn="r" fontAlgn="ctr"/>
+                      <a:r>
+                        <a:rPr lang="en-US" b="1">
+                          <a:effectLst/>
+                        </a:rPr>
+                        <a:t>SPRINGFIELD</a:t>
+                      </a:r>
+                    </a:p>
+                  </a:txBody>
+                  <a:tcPr anchor="ctr"/>
+                </a:tc>
+                <a:tc>
+                  <a:txBody>
+                    <a:bodyPr/>
+                    <a:lstStyle/>
+                    <a:p>
+                      <a:pPr algn="r" fontAlgn="ctr"/>
+                      <a:r>
+                        <a:rPr lang="en-US" dirty="0">
+                          <a:effectLst/>
+                        </a:rPr>
+                        <a:t>518</a:t>
+                      </a:r>
+                    </a:p>
+                  </a:txBody>
+                  <a:tcPr anchor="ctr"/>
+                </a:tc>
+                <a:extLst>
+                  <a:ext uri="{0D108BD9-81ED-4DB2-BD59-A6C34878D82A}">
+                    <a16:rowId xmlns:a16="http://schemas.microsoft.com/office/drawing/2014/main" val="1646523393"/>
+                  </a:ext>
+                </a:extLst>
+              </a:tr>
+            </a:tbl>
+          </a:graphicData>
+        </a:graphic>
+      </p:graphicFrame>
+    </p:spTree>
+    <p:extLst>
+      <p:ext uri="{BB962C8B-B14F-4D97-AF65-F5344CB8AC3E}">
+        <p14:creationId xmlns:p14="http://schemas.microsoft.com/office/powerpoint/2010/main" val="4063829113"/>
+      </p:ext>
+    </p:extLst>
+  </p:cSld>
+  <p:clrMapOvr>
+    <a:masterClrMapping/>
+  </p:clrMapOvr>
+</p:sld>
+</file>
+
+<file path=ppt/slides/slide6.xml><?xml version="1.0" encoding="utf-8"?>
+<p:sld xmlns:a="http://schemas.openxmlformats.org/drawingml/2006/main" xmlns:r="http://schemas.openxmlformats.org/officeDocument/2006/relationships" xmlns:p="http://schemas.openxmlformats.org/presentationml/2006/main">
+  <p:cSld>
+    <p:spTree>
+      <p:nvGrpSpPr>
+        <p:cNvPr id="1" name=""/>
+        <p:cNvGrpSpPr/>
+        <p:nvPr/>
+      </p:nvGrpSpPr>
+      <p:grpSpPr>
+        <a:xfrm>
+          <a:off x="0" y="0"/>
+          <a:ext cx="0" cy="0"/>
+          <a:chOff x="0" y="0"/>
+          <a:chExt cx="0" cy="0"/>
+        </a:xfrm>
+      </p:grpSpPr>
+      <p:sp>
+        <p:nvSpPr>
+          <p:cNvPr id="2" name="Title 1">
+            <a:extLst>
+              <a:ext uri="{FF2B5EF4-FFF2-40B4-BE49-F238E27FC236}">
                 <a16:creationId xmlns:a16="http://schemas.microsoft.com/office/drawing/2014/main" id="{643B665B-D641-0ADB-58F6-7E2CCFCAD3C2}"/>
               </a:ext>
             </a:extLst>
@@ -11077,7 +11540,7 @@
 </p:sld>
 </file>
 
-<file path=ppt/slides/slide6.xml><?xml version="1.0" encoding="utf-8"?>
+<file path=ppt/slides/slide7.xml><?xml version="1.0" encoding="utf-8"?>
 <p:sld xmlns:a="http://schemas.openxmlformats.org/drawingml/2006/main" xmlns:r="http://schemas.openxmlformats.org/officeDocument/2006/relationships" xmlns:p="http://schemas.openxmlformats.org/presentationml/2006/main">
   <p:cSld>
     <p:spTree>
@@ -11166,7 +11629,7 @@
 </p:sld>
 </file>
 
-<file path=ppt/slides/slide7.xml><?xml version="1.0" encoding="utf-8"?>
+<file path=ppt/slides/slide8.xml><?xml version="1.0" encoding="utf-8"?>
 <p:sld xmlns:a="http://schemas.openxmlformats.org/drawingml/2006/main" xmlns:r="http://schemas.openxmlformats.org/officeDocument/2006/relationships" xmlns:p="http://schemas.openxmlformats.org/presentationml/2006/main">
   <p:cSld>
     <p:spTree>
@@ -11255,7 +11718,7 @@
 </p:sld>
 </file>
 
-<file path=ppt/slides/slide8.xml><?xml version="1.0" encoding="utf-8"?>
+<file path=ppt/slides/slide9.xml><?xml version="1.0" encoding="utf-8"?>
 <p:sld xmlns:a="http://schemas.openxmlformats.org/drawingml/2006/main" xmlns:r="http://schemas.openxmlformats.org/officeDocument/2006/relationships" xmlns:p="http://schemas.openxmlformats.org/presentationml/2006/main">
   <p:cSld>
     <p:spTree>
@@ -11335,110 +11798,6 @@
     <p:extLst>
       <p:ext uri="{BB962C8B-B14F-4D97-AF65-F5344CB8AC3E}">
         <p14:creationId xmlns:p14="http://schemas.microsoft.com/office/powerpoint/2010/main" val="2049214350"/>
-      </p:ext>
-    </p:extLst>
-  </p:cSld>
-  <p:clrMapOvr>
-    <a:masterClrMapping/>
-  </p:clrMapOvr>
-</p:sld>
-</file>
-
-<file path=ppt/slides/slide9.xml><?xml version="1.0" encoding="utf-8"?>
-<p:sld xmlns:a="http://schemas.openxmlformats.org/drawingml/2006/main" xmlns:r="http://schemas.openxmlformats.org/officeDocument/2006/relationships" xmlns:p="http://schemas.openxmlformats.org/presentationml/2006/main">
-  <p:cSld>
-    <p:spTree>
-      <p:nvGrpSpPr>
-        <p:cNvPr id="1" name=""/>
-        <p:cNvGrpSpPr/>
-        <p:nvPr/>
-      </p:nvGrpSpPr>
-      <p:grpSpPr>
-        <a:xfrm>
-          <a:off x="0" y="0"/>
-          <a:ext cx="0" cy="0"/>
-          <a:chOff x="0" y="0"/>
-          <a:chExt cx="0" cy="0"/>
-        </a:xfrm>
-      </p:grpSpPr>
-      <p:sp>
-        <p:nvSpPr>
-          <p:cNvPr id="2" name="Title 1">
-            <a:extLst>
-              <a:ext uri="{FF2B5EF4-FFF2-40B4-BE49-F238E27FC236}">
-                <a16:creationId xmlns:a16="http://schemas.microsoft.com/office/drawing/2014/main" id="{8C7E346F-30D6-8148-75E0-7A8EEEBA643E}"/>
-              </a:ext>
-            </a:extLst>
-          </p:cNvPr>
-          <p:cNvSpPr>
-            <a:spLocks noGrp="1"/>
-          </p:cNvSpPr>
-          <p:nvPr>
-            <p:ph type="title"/>
-          </p:nvPr>
-        </p:nvSpPr>
-        <p:spPr/>
-        <p:txBody>
-          <a:bodyPr/>
-          <a:lstStyle/>
-          <a:p>
-            <a:r>
-              <a:rPr lang="en-US" dirty="0"/>
-              <a:t>Recommendation</a:t>
-            </a:r>
-          </a:p>
-        </p:txBody>
-      </p:sp>
-      <p:sp>
-        <p:nvSpPr>
-          <p:cNvPr id="3" name="Content Placeholder 2">
-            <a:extLst>
-              <a:ext uri="{FF2B5EF4-FFF2-40B4-BE49-F238E27FC236}">
-                <a16:creationId xmlns:a16="http://schemas.microsoft.com/office/drawing/2014/main" id="{5986AA67-EE18-2338-7A9B-B931CA57900E}"/>
-              </a:ext>
-            </a:extLst>
-          </p:cNvPr>
-          <p:cNvSpPr>
-            <a:spLocks noGrp="1"/>
-          </p:cNvSpPr>
-          <p:nvPr>
-            <p:ph idx="1"/>
-          </p:nvPr>
-        </p:nvSpPr>
-        <p:spPr/>
-        <p:txBody>
-          <a:bodyPr/>
-          <a:lstStyle/>
-          <a:p>
-            <a:r>
-              <a:rPr lang="en-US" dirty="0"/>
-              <a:t>Top Brand – velocity is greater for Joplin, sales are greater in Columbia</a:t>
-            </a:r>
-          </a:p>
-          <a:p>
-            <a:r>
-              <a:rPr lang="en-US" dirty="0"/>
-              <a:t>two small cities – very little product</a:t>
-            </a:r>
-          </a:p>
-          <a:p>
-            <a:r>
-              <a:rPr lang="en-US" dirty="0"/>
-              <a:t>Best substitution is Pampers and Huggies for the top cities</a:t>
-            </a:r>
-          </a:p>
-          <a:p>
-            <a:r>
-              <a:rPr lang="en-US" dirty="0"/>
-              <a:t>Next price elasticity to see best assortment</a:t>
-            </a:r>
-          </a:p>
-        </p:txBody>
-      </p:sp>
-    </p:spTree>
-    <p:extLst>
-      <p:ext uri="{BB962C8B-B14F-4D97-AF65-F5344CB8AC3E}">
-        <p14:creationId xmlns:p14="http://schemas.microsoft.com/office/powerpoint/2010/main" val="1289769958"/>
       </p:ext>
     </p:extLst>
   </p:cSld>
